--- a/lesson 4/Lesson_4.pptx
+++ b/lesson 4/Lesson_4.pptx
@@ -5,7 +5,7 @@
     <p:sldMasterId id="2147483648" r:id="rId1"/>
   </p:sldMasterIdLst>
   <p:notesMasterIdLst>
-    <p:notesMasterId r:id="rId9"/>
+    <p:notesMasterId r:id="rId10"/>
   </p:notesMasterIdLst>
   <p:sldIdLst>
     <p:sldId id="256" r:id="rId2"/>
@@ -14,7 +14,8 @@
     <p:sldId id="276" r:id="rId5"/>
     <p:sldId id="265" r:id="rId6"/>
     <p:sldId id="274" r:id="rId7"/>
-    <p:sldId id="275" r:id="rId8"/>
+    <p:sldId id="277" r:id="rId8"/>
+    <p:sldId id="275" r:id="rId9"/>
   </p:sldIdLst>
   <p:sldSz cx="12192000" cy="6858000"/>
   <p:notesSz cx="6858000" cy="9144000"/>
@@ -125,7 +126,7 @@
 <p1510:revInfo xmlns:a="http://schemas.openxmlformats.org/drawingml/2006/main" xmlns:r="http://schemas.openxmlformats.org/officeDocument/2006/relationships" xmlns:p1510="http://schemas.microsoft.com/office/powerpoint/2015/10/main">
   <p1510:revLst>
     <p1510:client id="{0C6B8EF6-F8A4-7AB8-7F88-BD27EDEFE434}" v="2" dt="2021-12-02T05:38:51.155"/>
-    <p1510:client id="{1D00F415-21C9-126B-D811-EECC4BD1021F}" v="302" dt="2021-12-08T16:38:55.626"/>
+    <p1510:client id="{1D00F415-21C9-126B-D811-EECC4BD1021F}" v="336" dt="2021-12-08T16:55:26.595"/>
     <p1510:client id="{58A5EECA-69F4-A2C6-FD0E-DB58BAABE3E1}" v="170" dt="2021-12-08T11:52:11.015"/>
     <p1510:client id="{C89ACF45-C2F8-E76F-58EF-8272F11558CB}" v="235" dt="2021-12-02T10:05:05.975"/>
     <p1510:client id="{E143B352-6C6B-8238-531D-573B4674CE9C}" v="2349" dt="2021-12-07T09:23:16.743"/>
@@ -5334,7 +5335,7 @@
         </p:blipFill>
         <p:spPr>
           <a:xfrm>
-            <a:off x="1880856" y="2121085"/>
+            <a:off x="2066472" y="2238316"/>
             <a:ext cx="3519773" cy="2769412"/>
           </a:xfrm>
           <a:prstGeom prst="rect">
@@ -5356,7 +5357,7 @@
         </p:nvSpPr>
         <p:spPr>
           <a:xfrm>
-            <a:off x="5933427" y="2151214"/>
+            <a:off x="6119043" y="2268445"/>
             <a:ext cx="487325" cy="2888511"/>
           </a:xfrm>
           <a:prstGeom prst="downArrow">
@@ -5402,7 +5403,7 @@
         </p:nvSpPr>
         <p:spPr>
           <a:xfrm>
-            <a:off x="6612787" y="3015438"/>
+            <a:off x="6798403" y="3132669"/>
             <a:ext cx="2743200" cy="369332"/>
           </a:xfrm>
           <a:prstGeom prst="rect">
@@ -7349,6 +7350,461 @@
 </file>
 
 <file path=ppt/slides/slide7.xml><?xml version="1.0" encoding="utf-8"?>
+<p:sld xmlns:a="http://schemas.openxmlformats.org/drawingml/2006/main" xmlns:r="http://schemas.openxmlformats.org/officeDocument/2006/relationships" xmlns:p="http://schemas.openxmlformats.org/presentationml/2006/main">
+  <p:cSld>
+    <p:spTree>
+      <p:nvGrpSpPr>
+        <p:cNvPr id="1" name=""/>
+        <p:cNvGrpSpPr/>
+        <p:nvPr/>
+      </p:nvGrpSpPr>
+      <p:grpSpPr>
+        <a:xfrm>
+          <a:off x="0" y="0"/>
+          <a:ext cx="0" cy="0"/>
+          <a:chOff x="0" y="0"/>
+          <a:chExt cx="0" cy="0"/>
+        </a:xfrm>
+      </p:grpSpPr>
+      <p:sp>
+        <p:nvSpPr>
+          <p:cNvPr id="3" name="Прямоугольник 4">
+            <a:extLst>
+              <a:ext uri="{FF2B5EF4-FFF2-40B4-BE49-F238E27FC236}">
+                <a16:creationId xmlns:a16="http://schemas.microsoft.com/office/drawing/2014/main" id="{36CC0B9C-0EBE-4A1E-B58D-B636BD15693B}"/>
+              </a:ext>
+            </a:extLst>
+          </p:cNvPr>
+          <p:cNvSpPr/>
+          <p:nvPr/>
+        </p:nvSpPr>
+        <p:spPr>
+          <a:xfrm>
+            <a:off x="569167" y="242596"/>
+            <a:ext cx="11150082" cy="811763"/>
+          </a:xfrm>
+          <a:prstGeom prst="rect">
+            <a:avLst/>
+          </a:prstGeom>
+        </p:spPr>
+        <p:style>
+          <a:lnRef idx="2">
+            <a:schemeClr val="accent1">
+              <a:shade val="50000"/>
+            </a:schemeClr>
+          </a:lnRef>
+          <a:fillRef idx="1">
+            <a:schemeClr val="accent1"/>
+          </a:fillRef>
+          <a:effectRef idx="0">
+            <a:schemeClr val="accent1"/>
+          </a:effectRef>
+          <a:fontRef idx="minor">
+            <a:schemeClr val="lt1"/>
+          </a:fontRef>
+        </p:style>
+        <p:txBody>
+          <a:bodyPr lIns="91440" tIns="45720" rIns="91440" bIns="45720" rtlCol="0" anchor="ctr"/>
+          <a:lstStyle/>
+          <a:p>
+            <a:pPr algn="ctr"/>
+            <a:r>
+              <a:rPr lang="ru-RU" sz="3200" b="1" dirty="0">
+                <a:ln w="12700" cmpd="sng">
+                  <a:solidFill>
+                    <a:srgbClr val="FFC000"/>
+                  </a:solidFill>
+                  <a:prstDash val="solid"/>
+                </a:ln>
+                <a:solidFill>
+                  <a:srgbClr val="FFC000"/>
+                </a:solidFill>
+                <a:cs typeface="Calibri"/>
+              </a:rPr>
+              <a:t>Цикл </a:t>
+            </a:r>
+            <a:r>
+              <a:rPr lang="ru-RU" sz="3200" b="1" dirty="0" err="1">
+                <a:ln w="12700" cmpd="sng">
+                  <a:solidFill>
+                    <a:srgbClr val="FFC000"/>
+                  </a:solidFill>
+                  <a:prstDash val="solid"/>
+                </a:ln>
+                <a:solidFill>
+                  <a:srgbClr val="FFC000"/>
+                </a:solidFill>
+                <a:cs typeface="Calibri"/>
+              </a:rPr>
+              <a:t>for</a:t>
+            </a:r>
+            <a:endParaRPr lang="en-US" dirty="0" err="1"/>
+          </a:p>
+        </p:txBody>
+      </p:sp>
+      <p:sp>
+        <p:nvSpPr>
+          <p:cNvPr id="5" name="Rectangle: Rounded Corners 4">
+            <a:extLst>
+              <a:ext uri="{FF2B5EF4-FFF2-40B4-BE49-F238E27FC236}">
+                <a16:creationId xmlns:a16="http://schemas.microsoft.com/office/drawing/2014/main" id="{345097A7-3DDA-42EE-B1B5-948D82531DB4}"/>
+              </a:ext>
+            </a:extLst>
+          </p:cNvPr>
+          <p:cNvSpPr/>
+          <p:nvPr/>
+        </p:nvSpPr>
+        <p:spPr>
+          <a:xfrm>
+            <a:off x="1679988" y="4721853"/>
+            <a:ext cx="9075613" cy="1117782"/>
+          </a:xfrm>
+          <a:prstGeom prst="roundRect">
+            <a:avLst/>
+          </a:prstGeom>
+        </p:spPr>
+        <p:style>
+          <a:lnRef idx="2">
+            <a:schemeClr val="accent1">
+              <a:shade val="50000"/>
+            </a:schemeClr>
+          </a:lnRef>
+          <a:fillRef idx="1">
+            <a:schemeClr val="accent1"/>
+          </a:fillRef>
+          <a:effectRef idx="0">
+            <a:schemeClr val="accent1"/>
+          </a:effectRef>
+          <a:fontRef idx="minor">
+            <a:schemeClr val="lt1"/>
+          </a:fontRef>
+        </p:style>
+        <p:txBody>
+          <a:bodyPr lIns="91440" tIns="45720" rIns="91440" bIns="45720" rtlCol="0" anchor="ctr"/>
+          <a:lstStyle/>
+          <a:p>
+            <a:r>
+              <a:rPr lang="en-US" dirty="0">
+                <a:solidFill>
+                  <a:schemeClr val="accent4"/>
+                </a:solidFill>
+                <a:ea typeface="+mn-lt"/>
+                <a:cs typeface="+mn-lt"/>
+              </a:rPr>
+              <a:t>     </a:t>
+            </a:r>
+            <a:r>
+              <a:rPr lang="en-US" dirty="0" err="1">
+                <a:solidFill>
+                  <a:schemeClr val="accent4"/>
+                </a:solidFill>
+                <a:ea typeface="+mn-lt"/>
+                <a:cs typeface="+mn-lt"/>
+              </a:rPr>
+              <a:t>Оператор</a:t>
+            </a:r>
+            <a:r>
+              <a:rPr lang="en-US" dirty="0">
+                <a:solidFill>
+                  <a:schemeClr val="accent4"/>
+                </a:solidFill>
+                <a:ea typeface="+mn-lt"/>
+                <a:cs typeface="+mn-lt"/>
+              </a:rPr>
+              <a:t> </a:t>
+            </a:r>
+            <a:r>
+              <a:rPr lang="en-US" dirty="0" err="1">
+                <a:solidFill>
+                  <a:schemeClr val="accent4"/>
+                </a:solidFill>
+                <a:ea typeface="+mn-lt"/>
+                <a:cs typeface="+mn-lt"/>
+              </a:rPr>
+              <a:t>for..in</a:t>
+            </a:r>
+            <a:r>
+              <a:rPr lang="en-US" dirty="0">
+                <a:ea typeface="+mn-lt"/>
+                <a:cs typeface="+mn-lt"/>
+              </a:rPr>
+              <a:t> </a:t>
+            </a:r>
+            <a:r>
+              <a:rPr lang="en-US" dirty="0" err="1">
+                <a:ea typeface="+mn-lt"/>
+                <a:cs typeface="+mn-lt"/>
+              </a:rPr>
+              <a:t>также</a:t>
+            </a:r>
+            <a:r>
+              <a:rPr lang="en-US" dirty="0">
+                <a:ea typeface="+mn-lt"/>
+                <a:cs typeface="+mn-lt"/>
+              </a:rPr>
+              <a:t> </a:t>
+            </a:r>
+            <a:r>
+              <a:rPr lang="en-US" dirty="0" err="1">
+                <a:ea typeface="+mn-lt"/>
+                <a:cs typeface="+mn-lt"/>
+              </a:rPr>
+              <a:t>является</a:t>
+            </a:r>
+            <a:r>
+              <a:rPr lang="en-US" dirty="0">
+                <a:ea typeface="+mn-lt"/>
+                <a:cs typeface="+mn-lt"/>
+              </a:rPr>
+              <a:t> </a:t>
+            </a:r>
+            <a:r>
+              <a:rPr lang="en-US" dirty="0" err="1">
+                <a:ea typeface="+mn-lt"/>
+                <a:cs typeface="+mn-lt"/>
+              </a:rPr>
+              <a:t>оператором</a:t>
+            </a:r>
+            <a:r>
+              <a:rPr lang="en-US" dirty="0">
+                <a:ea typeface="+mn-lt"/>
+                <a:cs typeface="+mn-lt"/>
+              </a:rPr>
+              <a:t> </a:t>
+            </a:r>
+            <a:r>
+              <a:rPr lang="en-US" dirty="0" err="1">
+                <a:ea typeface="+mn-lt"/>
+                <a:cs typeface="+mn-lt"/>
+              </a:rPr>
+              <a:t>цикла</a:t>
+            </a:r>
+            <a:r>
+              <a:rPr lang="en-US" dirty="0">
+                <a:ea typeface="+mn-lt"/>
+                <a:cs typeface="+mn-lt"/>
+              </a:rPr>
+              <a:t>, </a:t>
+            </a:r>
+            <a:r>
+              <a:rPr lang="en-US" dirty="0" err="1">
+                <a:ea typeface="+mn-lt"/>
+                <a:cs typeface="+mn-lt"/>
+              </a:rPr>
+              <a:t>который</a:t>
+            </a:r>
+            <a:r>
+              <a:rPr lang="en-US" dirty="0">
+                <a:ea typeface="+mn-lt"/>
+                <a:cs typeface="+mn-lt"/>
+              </a:rPr>
+              <a:t> </a:t>
+            </a:r>
+            <a:r>
+              <a:rPr lang="en-US" dirty="0" err="1">
+                <a:ea typeface="+mn-lt"/>
+                <a:cs typeface="+mn-lt"/>
+              </a:rPr>
+              <a:t>осуществляет</a:t>
+            </a:r>
+            <a:r>
+              <a:rPr lang="en-US" dirty="0">
+                <a:ea typeface="+mn-lt"/>
+                <a:cs typeface="+mn-lt"/>
+              </a:rPr>
+              <a:t> </a:t>
+            </a:r>
+            <a:r>
+              <a:rPr lang="en-US" dirty="0" err="1">
+                <a:ea typeface="+mn-lt"/>
+                <a:cs typeface="+mn-lt"/>
+              </a:rPr>
+              <a:t>итерацию</a:t>
+            </a:r>
+            <a:r>
+              <a:rPr lang="en-US" dirty="0">
+                <a:ea typeface="+mn-lt"/>
+                <a:cs typeface="+mn-lt"/>
+              </a:rPr>
+              <a:t> </a:t>
+            </a:r>
+            <a:r>
+              <a:rPr lang="en-US" dirty="0" err="1">
+                <a:ea typeface="+mn-lt"/>
+                <a:cs typeface="+mn-lt"/>
+              </a:rPr>
+              <a:t>по</a:t>
+            </a:r>
+            <a:r>
+              <a:rPr lang="en-US" dirty="0">
+                <a:ea typeface="+mn-lt"/>
+                <a:cs typeface="+mn-lt"/>
+              </a:rPr>
+              <a:t> </a:t>
+            </a:r>
+            <a:r>
+              <a:rPr lang="en-US" dirty="0" err="1">
+                <a:ea typeface="+mn-lt"/>
+                <a:cs typeface="+mn-lt"/>
+              </a:rPr>
+              <a:t>последовательности</a:t>
+            </a:r>
+            <a:r>
+              <a:rPr lang="en-US" dirty="0">
+                <a:ea typeface="+mn-lt"/>
+                <a:cs typeface="+mn-lt"/>
+              </a:rPr>
+              <a:t> </a:t>
+            </a:r>
+            <a:r>
+              <a:rPr lang="en-US" dirty="0" err="1">
+                <a:ea typeface="+mn-lt"/>
+                <a:cs typeface="+mn-lt"/>
+              </a:rPr>
+              <a:t>объектов</a:t>
+            </a:r>
+            <a:r>
+              <a:rPr lang="en-US" dirty="0">
+                <a:ea typeface="+mn-lt"/>
+                <a:cs typeface="+mn-lt"/>
+              </a:rPr>
+              <a:t>, </a:t>
+            </a:r>
+            <a:r>
+              <a:rPr lang="en-US" dirty="0" err="1">
+                <a:ea typeface="+mn-lt"/>
+                <a:cs typeface="+mn-lt"/>
+              </a:rPr>
+              <a:t>т.е</a:t>
+            </a:r>
+            <a:r>
+              <a:rPr lang="en-US" dirty="0">
+                <a:ea typeface="+mn-lt"/>
+                <a:cs typeface="+mn-lt"/>
+              </a:rPr>
+              <a:t>. </a:t>
+            </a:r>
+            <a:r>
+              <a:rPr lang="en-US" dirty="0" err="1">
+                <a:ea typeface="+mn-lt"/>
+                <a:cs typeface="+mn-lt"/>
+              </a:rPr>
+              <a:t>проходит</a:t>
+            </a:r>
+            <a:r>
+              <a:rPr lang="en-US" dirty="0">
+                <a:ea typeface="+mn-lt"/>
+                <a:cs typeface="+mn-lt"/>
+              </a:rPr>
+              <a:t> </a:t>
+            </a:r>
+            <a:r>
+              <a:rPr lang="en-US" dirty="0" err="1">
+                <a:ea typeface="+mn-lt"/>
+                <a:cs typeface="+mn-lt"/>
+              </a:rPr>
+              <a:t>через</a:t>
+            </a:r>
+            <a:r>
+              <a:rPr lang="en-US" dirty="0">
+                <a:ea typeface="+mn-lt"/>
+                <a:cs typeface="+mn-lt"/>
+              </a:rPr>
+              <a:t> </a:t>
+            </a:r>
+            <a:r>
+              <a:rPr lang="en-US" dirty="0" err="1">
+                <a:ea typeface="+mn-lt"/>
+                <a:cs typeface="+mn-lt"/>
+              </a:rPr>
+              <a:t>каждый</a:t>
+            </a:r>
+            <a:r>
+              <a:rPr lang="en-US" dirty="0">
+                <a:ea typeface="+mn-lt"/>
+                <a:cs typeface="+mn-lt"/>
+              </a:rPr>
+              <a:t> </a:t>
+            </a:r>
+            <a:r>
+              <a:rPr lang="en-US" dirty="0" err="1">
+                <a:ea typeface="+mn-lt"/>
+                <a:cs typeface="+mn-lt"/>
+              </a:rPr>
+              <a:t>элемент</a:t>
+            </a:r>
+            <a:r>
+              <a:rPr lang="en-US" dirty="0">
+                <a:ea typeface="+mn-lt"/>
+                <a:cs typeface="+mn-lt"/>
+              </a:rPr>
+              <a:t> в </a:t>
+            </a:r>
+            <a:r>
+              <a:rPr lang="en-US" dirty="0" err="1">
+                <a:ea typeface="+mn-lt"/>
+                <a:cs typeface="+mn-lt"/>
+              </a:rPr>
+              <a:t>последовательности</a:t>
+            </a:r>
+            <a:r>
+              <a:rPr lang="en-US" dirty="0">
+                <a:ea typeface="+mn-lt"/>
+                <a:cs typeface="+mn-lt"/>
+              </a:rPr>
+              <a:t>.</a:t>
+            </a:r>
+            <a:endParaRPr lang="en-US" dirty="0" err="1">
+              <a:ea typeface="+mn-lt"/>
+              <a:cs typeface="+mn-lt"/>
+            </a:endParaRPr>
+          </a:p>
+        </p:txBody>
+      </p:sp>
+      <p:pic>
+        <p:nvPicPr>
+          <p:cNvPr id="2" name="Picture 5">
+            <a:extLst>
+              <a:ext uri="{FF2B5EF4-FFF2-40B4-BE49-F238E27FC236}">
+                <a16:creationId xmlns:a16="http://schemas.microsoft.com/office/drawing/2014/main" id="{D9A9E91B-0A48-4281-A606-537DC8548C6D}"/>
+              </a:ext>
+            </a:extLst>
+          </p:cNvPr>
+          <p:cNvPicPr>
+            <a:picLocks noChangeAspect="1"/>
+          </p:cNvPicPr>
+          <p:nvPr/>
+        </p:nvPicPr>
+        <p:blipFill>
+          <a:blip r:embed="rId2"/>
+          <a:stretch>
+            <a:fillRect/>
+          </a:stretch>
+        </p:blipFill>
+        <p:spPr>
+          <a:xfrm>
+            <a:off x="3561180" y="2178558"/>
+            <a:ext cx="4824046" cy="1430583"/>
+          </a:xfrm>
+          <a:prstGeom prst="rect">
+            <a:avLst/>
+          </a:prstGeom>
+        </p:spPr>
+      </p:pic>
+    </p:spTree>
+    <p:extLst>
+      <p:ext uri="{BB962C8B-B14F-4D97-AF65-F5344CB8AC3E}">
+        <p14:creationId xmlns:p14="http://schemas.microsoft.com/office/powerpoint/2010/main" val="29342022"/>
+      </p:ext>
+    </p:extLst>
+  </p:cSld>
+  <p:clrMapOvr>
+    <a:masterClrMapping/>
+  </p:clrMapOvr>
+</p:sld>
+</file>
+
+<file path=ppt/slides/slide8.xml><?xml version="1.0" encoding="utf-8"?>
 <p:sld xmlns:a="http://schemas.openxmlformats.org/drawingml/2006/main" xmlns:r="http://schemas.openxmlformats.org/officeDocument/2006/relationships" xmlns:p="http://schemas.openxmlformats.org/presentationml/2006/main">
   <p:cSld>
     <p:spTree>
